--- a/docs/Presentazione.pptx
+++ b/docs/Presentazione.pptx
@@ -217,7 +217,7 @@
           <a:p>
             <a:fld id="{FF1F0FE3-D4CE-4171-ABC2-FB4E21827698}" type="datetimeFigureOut">
               <a:rPr lang="it-IT" smtClean="0"/>
-              <a:t>25/09/2024</a:t>
+              <a:t>26/09/2024</a:t>
             </a:fld>
             <a:endParaRPr lang="it-IT"/>
           </a:p>
@@ -398,7 +398,7 @@
           <a:p>
             <a:fld id="{3693B9D8-0891-4513-AD05-CF354E01EACB}" type="datetimeFigureOut">
               <a:rPr lang="it-IT" smtClean="0"/>
-              <a:t>25/09/2024</a:t>
+              <a:t>26/09/2024</a:t>
             </a:fld>
             <a:endParaRPr lang="it-IT"/>
           </a:p>
@@ -883,7 +883,7 @@
           <a:p>
             <a:fld id="{012C41DE-F58E-46A6-BFBC-4CCF9ED90B24}" type="datetime1">
               <a:rPr lang="it-IT" smtClean="0"/>
-              <a:t>25/09/2024</a:t>
+              <a:t>26/09/2024</a:t>
             </a:fld>
             <a:endParaRPr lang="it-IT"/>
           </a:p>
@@ -1056,7 +1056,7 @@
           <a:p>
             <a:fld id="{F459E706-EC98-4329-A342-8F2A4A0ABD71}" type="datetime1">
               <a:rPr lang="it-IT" smtClean="0"/>
-              <a:t>25/09/2024</a:t>
+              <a:t>26/09/2024</a:t>
             </a:fld>
             <a:endParaRPr lang="it-IT"/>
           </a:p>
@@ -1239,7 +1239,7 @@
           <a:p>
             <a:fld id="{207ACF66-6CF7-44B0-BBAE-224A2E991DD6}" type="datetime1">
               <a:rPr lang="it-IT" smtClean="0"/>
-              <a:t>25/09/2024</a:t>
+              <a:t>26/09/2024</a:t>
             </a:fld>
             <a:endParaRPr lang="it-IT"/>
           </a:p>
@@ -1412,7 +1412,7 @@
           <a:p>
             <a:fld id="{02920648-773E-4D80-875C-A900F0419A99}" type="datetime1">
               <a:rPr lang="it-IT" smtClean="0"/>
-              <a:t>25/09/2024</a:t>
+              <a:t>26/09/2024</a:t>
             </a:fld>
             <a:endParaRPr lang="it-IT"/>
           </a:p>
@@ -1661,7 +1661,7 @@
           <a:p>
             <a:fld id="{FCAA43E6-1ADE-4241-8DC7-49CE668D4171}" type="datetime1">
               <a:rPr lang="it-IT" smtClean="0"/>
-              <a:t>25/09/2024</a:t>
+              <a:t>26/09/2024</a:t>
             </a:fld>
             <a:endParaRPr lang="it-IT"/>
           </a:p>
@@ -1896,7 +1896,7 @@
           <a:p>
             <a:fld id="{3516627E-ED38-4EC4-875E-00B88F11E476}" type="datetime1">
               <a:rPr lang="it-IT" smtClean="0"/>
-              <a:t>25/09/2024</a:t>
+              <a:t>26/09/2024</a:t>
             </a:fld>
             <a:endParaRPr lang="it-IT"/>
           </a:p>
@@ -2266,7 +2266,7 @@
           <a:p>
             <a:fld id="{8017760D-CF60-4C53-BF06-8C4EAA6BD619}" type="datetime1">
               <a:rPr lang="it-IT" smtClean="0"/>
-              <a:t>25/09/2024</a:t>
+              <a:t>26/09/2024</a:t>
             </a:fld>
             <a:endParaRPr lang="it-IT"/>
           </a:p>
@@ -2387,7 +2387,7 @@
           <a:p>
             <a:fld id="{5D666331-D417-46B4-8B18-7235EF560CF8}" type="datetime1">
               <a:rPr lang="it-IT" smtClean="0"/>
-              <a:t>25/09/2024</a:t>
+              <a:t>26/09/2024</a:t>
             </a:fld>
             <a:endParaRPr lang="it-IT"/>
           </a:p>
@@ -2485,7 +2485,7 @@
           <a:p>
             <a:fld id="{B343E9C7-C8BF-4BE8-8CF1-99AE373B6D6C}" type="datetime1">
               <a:rPr lang="it-IT" smtClean="0"/>
-              <a:t>25/09/2024</a:t>
+              <a:t>26/09/2024</a:t>
             </a:fld>
             <a:endParaRPr lang="it-IT"/>
           </a:p>
@@ -2765,7 +2765,7 @@
           <a:p>
             <a:fld id="{3C678EB6-8504-4D5A-98D3-9FD86CBBBEAD}" type="datetime1">
               <a:rPr lang="it-IT" smtClean="0"/>
-              <a:t>25/09/2024</a:t>
+              <a:t>26/09/2024</a:t>
             </a:fld>
             <a:endParaRPr lang="it-IT"/>
           </a:p>
@@ -3025,7 +3025,7 @@
           <a:p>
             <a:fld id="{89E5778C-6BF6-4207-AEE1-A199323633BA}" type="datetime1">
               <a:rPr lang="it-IT" smtClean="0"/>
-              <a:t>25/09/2024</a:t>
+              <a:t>26/09/2024</a:t>
             </a:fld>
             <a:endParaRPr lang="it-IT"/>
           </a:p>
@@ -3241,7 +3241,7 @@
           <a:p>
             <a:fld id="{E1997C6A-354E-4B7E-B020-1640364AC421}" type="datetime1">
               <a:rPr lang="it-IT" smtClean="0"/>
-              <a:t>25/09/2024</a:t>
+              <a:t>26/09/2024</a:t>
             </a:fld>
             <a:endParaRPr lang="it-IT"/>
           </a:p>
@@ -4660,17 +4660,8 @@
               <a:rPr lang="it-IT" dirty="0">
                 <a:latin typeface="AscenderSansW01-Regular" panose="020B0604020202020204" pitchFamily="34" charset="0"/>
               </a:rPr>
-              <a:t>Ascolta tramite </a:t>
-            </a:r>
-            <a:r>
-              <a:rPr lang="it-IT" dirty="0" err="1">
-                <a:latin typeface="AscenderSansW01-Regular" panose="020B0604020202020204" pitchFamily="34" charset="0"/>
-              </a:rPr>
-              <a:t>Flask</a:t>
-            </a:r>
-            <a:endParaRPr lang="it-IT" dirty="0">
-              <a:latin typeface="AscenderSansW01-Regular" panose="020B0604020202020204" pitchFamily="34" charset="0"/>
-            </a:endParaRPr>
+              <a:t>Riceve richiesta tramite API REST</a:t>
+            </a:r>
           </a:p>
           <a:p>
             <a:r>
@@ -5176,7 +5167,7 @@
           </a:p>
           <a:p>
             <a:r>
-              <a:rPr lang="it-IT" dirty="0">
+              <a:rPr lang="it-IT" sz="2400" dirty="0">
                 <a:latin typeface="AscenderSansW01-Regular" panose="020B0604020202020204" pitchFamily="34" charset="0"/>
               </a:rPr>
               <a:t>Scatta foto dalla webcam del pc</a:t>
@@ -5184,24 +5175,24 @@
           </a:p>
           <a:p>
             <a:r>
-              <a:rPr lang="it-IT" dirty="0">
+              <a:rPr lang="it-IT" sz="2400" dirty="0">
                 <a:latin typeface="AscenderSansW01-Regular" panose="020B0604020202020204" pitchFamily="34" charset="0"/>
               </a:rPr>
               <a:t>Invia dati ad una </a:t>
             </a:r>
             <a:r>
-              <a:rPr lang="it-IT" dirty="0" err="1">
+              <a:rPr lang="it-IT" sz="2400" dirty="0" err="1">
                 <a:latin typeface="AscenderSansW01-Regular" panose="020B0604020202020204" pitchFamily="34" charset="0"/>
               </a:rPr>
               <a:t>gfunction</a:t>
             </a:r>
-            <a:endParaRPr lang="it-IT" dirty="0">
+            <a:endParaRPr lang="it-IT" sz="2400" dirty="0">
               <a:latin typeface="AscenderSansW01-Regular" panose="020B0604020202020204" pitchFamily="34" charset="0"/>
             </a:endParaRPr>
           </a:p>
           <a:p>
             <a:r>
-              <a:rPr lang="it-IT" dirty="0">
+              <a:rPr lang="it-IT" sz="2400" dirty="0">
                 <a:latin typeface="AscenderSansW01-Regular" panose="020B0604020202020204" pitchFamily="34" charset="0"/>
               </a:rPr>
               <a:t>Una foto al minuto</a:t>
@@ -5242,40 +5233,31 @@
           </a:p>
           <a:p>
             <a:r>
-              <a:rPr lang="it-IT" sz="2400" dirty="0">
+              <a:rPr lang="it-IT" sz="2000" dirty="0">
                 <a:latin typeface="AscenderSansW01-Regular" panose="020B0604020202020204" pitchFamily="34" charset="0"/>
               </a:rPr>
-              <a:t>Ascolta tramite </a:t>
-            </a:r>
-            <a:r>
-              <a:rPr lang="it-IT" sz="2400" dirty="0" err="1">
+              <a:t>Riceve richiesta tramite API REST</a:t>
+            </a:r>
+          </a:p>
+          <a:p>
+            <a:r>
+              <a:rPr lang="it-IT" sz="2000" dirty="0">
                 <a:latin typeface="AscenderSansW01-Regular" panose="020B0604020202020204" pitchFamily="34" charset="0"/>
               </a:rPr>
-              <a:t>Flask</a:t>
-            </a:r>
-            <a:endParaRPr lang="it-IT" sz="2400" dirty="0">
-              <a:latin typeface="AscenderSansW01-Regular" panose="020B0604020202020204" pitchFamily="34" charset="0"/>
-            </a:endParaRPr>
-          </a:p>
-          <a:p>
-            <a:r>
-              <a:rPr lang="it-IT" sz="2400" dirty="0">
+              <a:t>Analizza l’immagine tramite computer vision</a:t>
+            </a:r>
+          </a:p>
+          <a:p>
+            <a:r>
+              <a:rPr lang="it-IT" sz="2000" dirty="0">
                 <a:latin typeface="AscenderSansW01-Regular" panose="020B0604020202020204" pitchFamily="34" charset="0"/>
               </a:rPr>
-              <a:t>Analizza l’immagine tramite computer vision</a:t>
-            </a:r>
-          </a:p>
-          <a:p>
-            <a:r>
-              <a:rPr lang="it-IT" sz="2400" dirty="0">
-                <a:latin typeface="AscenderSansW01-Regular" panose="020B0604020202020204" pitchFamily="34" charset="0"/>
-              </a:rPr>
               <a:t>Invio mail se ci sono 2 volti</a:t>
             </a:r>
           </a:p>
           <a:p>
             <a:r>
-              <a:rPr lang="it-IT" sz="2400" dirty="0">
+              <a:rPr lang="it-IT" sz="2000" dirty="0">
                 <a:latin typeface="AscenderSansW01-Regular" panose="020B0604020202020204" pitchFamily="34" charset="0"/>
               </a:rPr>
               <a:t>Maggiori risorse</a:t>
@@ -5515,7 +5497,7 @@
         </p:blipFill>
         <p:spPr bwMode="auto">
           <a:xfrm rot="20866965" flipH="1">
-            <a:off x="1314462" y="4575821"/>
+            <a:off x="1428762" y="4392040"/>
             <a:ext cx="1066385" cy="1918334"/>
           </a:xfrm>
           <a:prstGeom prst="rect">
@@ -5562,7 +5544,7 @@
         </p:blipFill>
         <p:spPr bwMode="auto">
           <a:xfrm>
-            <a:off x="4000982" y="5130163"/>
+            <a:off x="5258283" y="4844113"/>
             <a:ext cx="1713533" cy="1059534"/>
           </a:xfrm>
           <a:prstGeom prst="rect">

--- a/docs/Presentazione.pptx
+++ b/docs/Presentazione.pptx
@@ -217,7 +217,7 @@
           <a:p>
             <a:fld id="{FF1F0FE3-D4CE-4171-ABC2-FB4E21827698}" type="datetimeFigureOut">
               <a:rPr lang="it-IT" smtClean="0"/>
-              <a:t>26/09/2024</a:t>
+              <a:t>30/09/2024</a:t>
             </a:fld>
             <a:endParaRPr lang="it-IT"/>
           </a:p>
@@ -398,7 +398,7 @@
           <a:p>
             <a:fld id="{3693B9D8-0891-4513-AD05-CF354E01EACB}" type="datetimeFigureOut">
               <a:rPr lang="it-IT" smtClean="0"/>
-              <a:t>26/09/2024</a:t>
+              <a:t>30/09/2024</a:t>
             </a:fld>
             <a:endParaRPr lang="it-IT"/>
           </a:p>
@@ -883,7 +883,7 @@
           <a:p>
             <a:fld id="{012C41DE-F58E-46A6-BFBC-4CCF9ED90B24}" type="datetime1">
               <a:rPr lang="it-IT" smtClean="0"/>
-              <a:t>26/09/2024</a:t>
+              <a:t>30/09/2024</a:t>
             </a:fld>
             <a:endParaRPr lang="it-IT"/>
           </a:p>
@@ -1056,7 +1056,7 @@
           <a:p>
             <a:fld id="{F459E706-EC98-4329-A342-8F2A4A0ABD71}" type="datetime1">
               <a:rPr lang="it-IT" smtClean="0"/>
-              <a:t>26/09/2024</a:t>
+              <a:t>30/09/2024</a:t>
             </a:fld>
             <a:endParaRPr lang="it-IT"/>
           </a:p>
@@ -1239,7 +1239,7 @@
           <a:p>
             <a:fld id="{207ACF66-6CF7-44B0-BBAE-224A2E991DD6}" type="datetime1">
               <a:rPr lang="it-IT" smtClean="0"/>
-              <a:t>26/09/2024</a:t>
+              <a:t>30/09/2024</a:t>
             </a:fld>
             <a:endParaRPr lang="it-IT"/>
           </a:p>
@@ -1412,7 +1412,7 @@
           <a:p>
             <a:fld id="{02920648-773E-4D80-875C-A900F0419A99}" type="datetime1">
               <a:rPr lang="it-IT" smtClean="0"/>
-              <a:t>26/09/2024</a:t>
+              <a:t>30/09/2024</a:t>
             </a:fld>
             <a:endParaRPr lang="it-IT"/>
           </a:p>
@@ -1661,7 +1661,7 @@
           <a:p>
             <a:fld id="{FCAA43E6-1ADE-4241-8DC7-49CE668D4171}" type="datetime1">
               <a:rPr lang="it-IT" smtClean="0"/>
-              <a:t>26/09/2024</a:t>
+              <a:t>30/09/2024</a:t>
             </a:fld>
             <a:endParaRPr lang="it-IT"/>
           </a:p>
@@ -1896,7 +1896,7 @@
           <a:p>
             <a:fld id="{3516627E-ED38-4EC4-875E-00B88F11E476}" type="datetime1">
               <a:rPr lang="it-IT" smtClean="0"/>
-              <a:t>26/09/2024</a:t>
+              <a:t>30/09/2024</a:t>
             </a:fld>
             <a:endParaRPr lang="it-IT"/>
           </a:p>
@@ -2266,7 +2266,7 @@
           <a:p>
             <a:fld id="{8017760D-CF60-4C53-BF06-8C4EAA6BD619}" type="datetime1">
               <a:rPr lang="it-IT" smtClean="0"/>
-              <a:t>26/09/2024</a:t>
+              <a:t>30/09/2024</a:t>
             </a:fld>
             <a:endParaRPr lang="it-IT"/>
           </a:p>
@@ -2387,7 +2387,7 @@
           <a:p>
             <a:fld id="{5D666331-D417-46B4-8B18-7235EF560CF8}" type="datetime1">
               <a:rPr lang="it-IT" smtClean="0"/>
-              <a:t>26/09/2024</a:t>
+              <a:t>30/09/2024</a:t>
             </a:fld>
             <a:endParaRPr lang="it-IT"/>
           </a:p>
@@ -2485,7 +2485,7 @@
           <a:p>
             <a:fld id="{B343E9C7-C8BF-4BE8-8CF1-99AE373B6D6C}" type="datetime1">
               <a:rPr lang="it-IT" smtClean="0"/>
-              <a:t>26/09/2024</a:t>
+              <a:t>30/09/2024</a:t>
             </a:fld>
             <a:endParaRPr lang="it-IT"/>
           </a:p>
@@ -2765,7 +2765,7 @@
           <a:p>
             <a:fld id="{3C678EB6-8504-4D5A-98D3-9FD86CBBBEAD}" type="datetime1">
               <a:rPr lang="it-IT" smtClean="0"/>
-              <a:t>26/09/2024</a:t>
+              <a:t>30/09/2024</a:t>
             </a:fld>
             <a:endParaRPr lang="it-IT"/>
           </a:p>
@@ -3025,7 +3025,7 @@
           <a:p>
             <a:fld id="{89E5778C-6BF6-4207-AEE1-A199323633BA}" type="datetime1">
               <a:rPr lang="it-IT" smtClean="0"/>
-              <a:t>26/09/2024</a:t>
+              <a:t>30/09/2024</a:t>
             </a:fld>
             <a:endParaRPr lang="it-IT"/>
           </a:p>
@@ -3241,7 +3241,7 @@
           <a:p>
             <a:fld id="{E1997C6A-354E-4B7E-B020-1640364AC421}" type="datetime1">
               <a:rPr lang="it-IT" smtClean="0"/>
-              <a:t>26/09/2024</a:t>
+              <a:t>30/09/2024</a:t>
             </a:fld>
             <a:endParaRPr lang="it-IT"/>
           </a:p>
@@ -4610,9 +4610,12 @@
               </a:rPr>
               <a:t>gfunction</a:t>
             </a:r>
-            <a:endParaRPr lang="it-IT" dirty="0">
-              <a:latin typeface="AscenderSansW01-Regular" panose="020B0604020202020204" pitchFamily="34" charset="0"/>
-            </a:endParaRPr>
+            <a:r>
+              <a:rPr lang="it-IT" dirty="0">
+                <a:latin typeface="AscenderSansW01-Regular" panose="020B0604020202020204" pitchFamily="34" charset="0"/>
+              </a:rPr>
+              <a:t> tramite JSON</a:t>
+            </a:r>
           </a:p>
           <a:p>
             <a:r>
@@ -4675,6 +4678,18 @@
                 <a:latin typeface="AscenderSansW01-Regular" panose="020B0604020202020204" pitchFamily="34" charset="0"/>
               </a:rPr>
               <a:t>gfirestore</a:t>
+            </a:r>
+            <a:r>
+              <a:rPr lang="it-IT" dirty="0">
+                <a:latin typeface="AscenderSansW01-Regular" panose="020B0604020202020204" pitchFamily="34" charset="0"/>
+              </a:rPr>
+              <a:t> e crea un nuovo documento nella </a:t>
+            </a:r>
+            <a:r>
+              <a:rPr lang="it-IT" dirty="0" err="1">
+                <a:latin typeface="AscenderSansW01-Regular" panose="020B0604020202020204" pitchFamily="34" charset="0"/>
+              </a:rPr>
+              <a:t>collection</a:t>
             </a:r>
             <a:endParaRPr lang="it-IT" dirty="0">
               <a:latin typeface="AscenderSansW01-Regular" panose="020B0604020202020204" pitchFamily="34" charset="0"/>
@@ -4944,7 +4959,7 @@
           </p:cNvPicPr>
           <p:nvPr/>
         </p:nvPicPr>
-        <p:blipFill>
+        <p:blipFill rotWithShape="1">
           <a:blip r:embed="rId4">
             <a:extLst>
               <a:ext uri="{28A0092B-C50C-407E-A947-70E740481C1C}">
@@ -4952,15 +4967,13 @@
               </a:ext>
             </a:extLst>
           </a:blip>
-          <a:srcRect/>
-          <a:stretch>
-            <a:fillRect/>
-          </a:stretch>
+          <a:srcRect l="15696" t="4546" r="15696" b="4546"/>
+          <a:stretch/>
         </p:blipFill>
         <p:spPr bwMode="auto">
           <a:xfrm>
-            <a:off x="6457950" y="4099308"/>
-            <a:ext cx="1805941" cy="1805941"/>
+            <a:off x="6035040" y="4839271"/>
+            <a:ext cx="1239014" cy="1641728"/>
           </a:xfrm>
           <a:prstGeom prst="rect">
             <a:avLst/>
@@ -5167,32 +5180,32 @@
           </a:p>
           <a:p>
             <a:r>
-              <a:rPr lang="it-IT" sz="2400" dirty="0">
+              <a:rPr lang="it-IT" sz="2000" dirty="0">
                 <a:latin typeface="AscenderSansW01-Regular" panose="020B0604020202020204" pitchFamily="34" charset="0"/>
               </a:rPr>
-              <a:t>Scatta foto dalla webcam del pc</a:t>
-            </a:r>
-          </a:p>
-          <a:p>
-            <a:r>
-              <a:rPr lang="it-IT" sz="2400" dirty="0">
+              <a:t>Scatta foto dalla webcam del pc con la webcam principale</a:t>
+            </a:r>
+          </a:p>
+          <a:p>
+            <a:r>
+              <a:rPr lang="it-IT" sz="2000" dirty="0">
                 <a:latin typeface="AscenderSansW01-Regular" panose="020B0604020202020204" pitchFamily="34" charset="0"/>
               </a:rPr>
               <a:t>Invia dati ad una </a:t>
             </a:r>
             <a:r>
-              <a:rPr lang="it-IT" sz="2400" dirty="0" err="1">
+              <a:rPr lang="it-IT" sz="2000" dirty="0" err="1">
                 <a:latin typeface="AscenderSansW01-Regular" panose="020B0604020202020204" pitchFamily="34" charset="0"/>
               </a:rPr>
               <a:t>gfunction</a:t>
             </a:r>
-            <a:endParaRPr lang="it-IT" sz="2400" dirty="0">
+            <a:endParaRPr lang="it-IT" sz="2000" dirty="0">
               <a:latin typeface="AscenderSansW01-Regular" panose="020B0604020202020204" pitchFamily="34" charset="0"/>
             </a:endParaRPr>
           </a:p>
           <a:p>
             <a:r>
-              <a:rPr lang="it-IT" sz="2400" dirty="0">
+              <a:rPr lang="it-IT" sz="2000" dirty="0">
                 <a:latin typeface="AscenderSansW01-Regular" panose="020B0604020202020204" pitchFamily="34" charset="0"/>
               </a:rPr>
               <a:t>Una foto al minuto</a:t>
@@ -5244,15 +5257,19 @@
               <a:rPr lang="it-IT" sz="2000" dirty="0">
                 <a:latin typeface="AscenderSansW01-Regular" panose="020B0604020202020204" pitchFamily="34" charset="0"/>
               </a:rPr>
-              <a:t>Analizza l’immagine tramite computer vision</a:t>
-            </a:r>
-          </a:p>
-          <a:p>
+              <a:t>Analizza l’immagine </a:t>
+            </a:r>
+            <a:r>
+              <a:rPr lang="it-IT" sz="2000" dirty="0">
+                <a:latin typeface="AscenderSansW01-Bold" panose="020B0704020202020204" pitchFamily="34" charset="0"/>
+              </a:rPr>
+              <a:t>temporanea</a:t>
+            </a:r>
             <a:r>
               <a:rPr lang="it-IT" sz="2000" dirty="0">
                 <a:latin typeface="AscenderSansW01-Regular" panose="020B0604020202020204" pitchFamily="34" charset="0"/>
               </a:rPr>
-              <a:t>Invio mail se ci sono 2 volti</a:t>
+              <a:t> tramite computer vision</a:t>
             </a:r>
           </a:p>
           <a:p>
@@ -5260,7 +5277,27 @@
               <a:rPr lang="it-IT" sz="2000" dirty="0">
                 <a:latin typeface="AscenderSansW01-Regular" panose="020B0604020202020204" pitchFamily="34" charset="0"/>
               </a:rPr>
-              <a:t>Maggiori risorse</a:t>
+              <a:t>Invio mail tramite </a:t>
+            </a:r>
+            <a:r>
+              <a:rPr lang="it-IT" sz="2000" dirty="0">
+                <a:latin typeface="AscenderSansW01-Bold" panose="020B0704020202020204" pitchFamily="34" charset="0"/>
+              </a:rPr>
+              <a:t>gmail</a:t>
+            </a:r>
+            <a:r>
+              <a:rPr lang="it-IT" sz="2000" dirty="0">
+                <a:latin typeface="AscenderSansW01-Regular" panose="020B0604020202020204" pitchFamily="34" charset="0"/>
+              </a:rPr>
+              <a:t> se ci sono 2 volti</a:t>
+            </a:r>
+          </a:p>
+          <a:p>
+            <a:r>
+              <a:rPr lang="it-IT" sz="2000" dirty="0">
+                <a:latin typeface="AscenderSansW01-Regular" panose="020B0604020202020204" pitchFamily="34" charset="0"/>
+              </a:rPr>
+              <a:t>Richiede maggiori risorse</a:t>
             </a:r>
           </a:p>
         </p:txBody>
@@ -5497,55 +5534,8 @@
         </p:blipFill>
         <p:spPr bwMode="auto">
           <a:xfrm rot="20866965" flipH="1">
-            <a:off x="1428762" y="4392040"/>
+            <a:off x="2590619" y="4167517"/>
             <a:ext cx="1066385" cy="1918334"/>
-          </a:xfrm>
-          <a:prstGeom prst="rect">
-            <a:avLst/>
-          </a:prstGeom>
-          <a:noFill/>
-          <a:extLst>
-            <a:ext uri="{909E8E84-426E-40DD-AFC4-6F175D3DCCD1}">
-              <a14:hiddenFill xmlns:a14="http://schemas.microsoft.com/office/drawing/2010/main">
-                <a:solidFill>
-                  <a:srgbClr val="FFFFFF"/>
-                </a:solidFill>
-              </a14:hiddenFill>
-            </a:ext>
-          </a:extLst>
-        </p:spPr>
-      </p:pic>
-      <p:pic>
-        <p:nvPicPr>
-          <p:cNvPr id="2052" name="Picture 4" descr="Digital Camera Clip Art at Clker.com - vector clip art online, royalty free  &amp; public domain">
-            <a:extLst>
-              <a:ext uri="{FF2B5EF4-FFF2-40B4-BE49-F238E27FC236}">
-                <a16:creationId xmlns:a16="http://schemas.microsoft.com/office/drawing/2014/main" id="{9D328A85-677C-83D4-7717-1C3FD037CE00}"/>
-              </a:ext>
-            </a:extLst>
-          </p:cNvPr>
-          <p:cNvPicPr>
-            <a:picLocks noChangeAspect="1" noChangeArrowheads="1"/>
-          </p:cNvPicPr>
-          <p:nvPr/>
-        </p:nvPicPr>
-        <p:blipFill>
-          <a:blip r:embed="rId4">
-            <a:extLst>
-              <a:ext uri="{28A0092B-C50C-407E-A947-70E740481C1C}">
-                <a14:useLocalDpi xmlns:a14="http://schemas.microsoft.com/office/drawing/2010/main" val="0"/>
-              </a:ext>
-            </a:extLst>
-          </a:blip>
-          <a:srcRect/>
-          <a:stretch>
-            <a:fillRect/>
-          </a:stretch>
-        </p:blipFill>
-        <p:spPr bwMode="auto">
-          <a:xfrm>
-            <a:off x="5258283" y="4844113"/>
-            <a:ext cx="1713533" cy="1059534"/>
           </a:xfrm>
           <a:prstGeom prst="rect">
             <a:avLst/>
@@ -5945,7 +5935,9 @@
           </a:xfrm>
         </p:spPr>
         <p:txBody>
-          <a:bodyPr/>
+          <a:bodyPr>
+            <a:normAutofit fontScale="85000" lnSpcReduction="10000"/>
+          </a:bodyPr>
           <a:lstStyle/>
           <a:p>
             <a:pPr marL="0" indent="0">
@@ -6028,7 +6020,55 @@
               <a:rPr lang="it-IT" dirty="0">
                 <a:latin typeface="AscenderSansW01-Regular" panose="020B0604020202020204" pitchFamily="34" charset="0"/>
               </a:rPr>
-              <a:t> che fornisce le immagini di un determinato giorno</a:t>
+              <a:t> che fornisce le immagini di un determinato giorno. Questo avviene tramite un </a:t>
+            </a:r>
+            <a:r>
+              <a:rPr lang="it-IT" dirty="0" err="1">
+                <a:latin typeface="AscenderSansW01-Regular" panose="020B0604020202020204" pitchFamily="34" charset="0"/>
+              </a:rPr>
+              <a:t>listener</a:t>
+            </a:r>
+            <a:r>
+              <a:rPr lang="it-IT" dirty="0">
+                <a:latin typeface="AscenderSansW01-Regular" panose="020B0604020202020204" pitchFamily="34" charset="0"/>
+              </a:rPr>
+              <a:t> sul grafico e un’altra </a:t>
+            </a:r>
+            <a:r>
+              <a:rPr lang="it-IT" dirty="0" err="1">
+                <a:latin typeface="AscenderSansW01-Regular" panose="020B0604020202020204" pitchFamily="34" charset="0"/>
+              </a:rPr>
+              <a:t>gfunction</a:t>
+            </a:r>
+            <a:r>
+              <a:rPr lang="it-IT" dirty="0">
+                <a:latin typeface="AscenderSansW01-Regular" panose="020B0604020202020204" pitchFamily="34" charset="0"/>
+              </a:rPr>
+              <a:t> che ottiene gli URL </a:t>
+            </a:r>
+            <a:r>
+              <a:rPr lang="it-IT" dirty="0">
+                <a:latin typeface="AscenderSansW01-Bold" panose="020B0704020202020204" pitchFamily="34" charset="0"/>
+              </a:rPr>
+              <a:t>temporaneo</a:t>
+            </a:r>
+            <a:r>
+              <a:rPr lang="it-IT" dirty="0">
+                <a:latin typeface="AscenderSansW01-Regular" panose="020B0604020202020204" pitchFamily="34" charset="0"/>
+              </a:rPr>
+              <a:t> delle immagini. Vanno quindi impostate adeguatamente le autorizzazioni IAM (</a:t>
+            </a:r>
+            <a:r>
+              <a:rPr lang="it-IT" dirty="0">
+                <a:latin typeface="AscenderSansW01-Bold" panose="020B0704020202020204" pitchFamily="34" charset="0"/>
+              </a:rPr>
+              <a:t>service account</a:t>
+            </a:r>
+            <a:r>
+              <a:rPr lang="it-IT" dirty="0">
+                <a:latin typeface="AscenderSansW01-Regular" panose="020B0604020202020204" pitchFamily="34" charset="0"/>
+              </a:rPr>
+              <a:t>)</a:t>
             </a:r>
           </a:p>
           <a:p>
@@ -6071,8 +6111,29 @@
               <a:rPr lang="it-IT" dirty="0">
                 <a:latin typeface="AscenderSansW01-Bold" panose="020B0704020202020204" pitchFamily="34" charset="0"/>
               </a:rPr>
-              <a:t> del progetto</a:t>
-            </a:r>
+              <a:t> del progetto </a:t>
+            </a:r>
+            <a:r>
+              <a:rPr lang="it-IT" dirty="0">
+                <a:latin typeface="AscenderSansW01-Regular" panose="020B0604020202020204" pitchFamily="34" charset="0"/>
+              </a:rPr>
+              <a:t>oppure a chi si autentica tramite</a:t>
+            </a:r>
+            <a:r>
+              <a:rPr lang="it-IT" dirty="0">
+                <a:latin typeface="AscenderSansW01-Bold" panose="020B0704020202020204" pitchFamily="34" charset="0"/>
+              </a:rPr>
+              <a:t> </a:t>
+            </a:r>
+            <a:r>
+              <a:rPr lang="it-IT" dirty="0" err="1">
+                <a:latin typeface="AscenderSansW01-Bold" panose="020B0704020202020204" pitchFamily="34" charset="0"/>
+              </a:rPr>
+              <a:t>credentials</a:t>
+            </a:r>
+            <a:endParaRPr lang="it-IT" dirty="0">
+              <a:latin typeface="AscenderSansW01-Bold" panose="020B0704020202020204" pitchFamily="34" charset="0"/>
+            </a:endParaRPr>
           </a:p>
         </p:txBody>
       </p:sp>
@@ -6256,7 +6317,9 @@
           </a:xfrm>
         </p:spPr>
         <p:txBody>
-          <a:bodyPr/>
+          <a:bodyPr>
+            <a:normAutofit fontScale="85000" lnSpcReduction="20000"/>
+          </a:bodyPr>
           <a:lstStyle/>
           <a:p>
             <a:pPr marL="0" indent="0">
@@ -6355,9 +6418,55 @@
               </a:rPr>
               <a:t>gfunctions</a:t>
             </a:r>
+            <a:r>
+              <a:rPr lang="it-IT" dirty="0">
+                <a:latin typeface="AscenderSansW01-Regular" panose="020B0604020202020204" pitchFamily="34" charset="0"/>
+              </a:rPr>
+              <a:t> grazie al fatto che gira tutto sotto lo stesso ambiente (Google Cloud)</a:t>
+            </a:r>
+          </a:p>
+          <a:p>
+            <a:pPr marL="0" indent="0">
+              <a:buNone/>
+            </a:pPr>
             <a:endParaRPr lang="it-IT" dirty="0">
               <a:latin typeface="AscenderSansW01-Regular" panose="020B0604020202020204" pitchFamily="34" charset="0"/>
             </a:endParaRPr>
+          </a:p>
+          <a:p>
+            <a:pPr marL="0" indent="0">
+              <a:buNone/>
+            </a:pPr>
+            <a:r>
+              <a:rPr lang="it-IT" dirty="0">
+                <a:latin typeface="AscenderSansW01-Regular" panose="020B0604020202020204" pitchFamily="34" charset="0"/>
+              </a:rPr>
+              <a:t>Sviluppi futuri:</a:t>
+            </a:r>
+          </a:p>
+          <a:p>
+            <a:r>
+              <a:rPr lang="it-IT" dirty="0">
+                <a:latin typeface="AscenderSansW01-Regular" panose="020B0604020202020204" pitchFamily="34" charset="0"/>
+              </a:rPr>
+              <a:t>Nuovi sensori (umidità, citofono, movimento, ecc.)</a:t>
+            </a:r>
+          </a:p>
+          <a:p>
+            <a:r>
+              <a:rPr lang="it-IT" dirty="0">
+                <a:latin typeface="AscenderSansW01-Regular" panose="020B0604020202020204" pitchFamily="34" charset="0"/>
+              </a:rPr>
+              <a:t>Accesso con login</a:t>
+            </a:r>
+          </a:p>
+          <a:p>
+            <a:r>
+              <a:rPr lang="it-IT" dirty="0">
+                <a:latin typeface="AscenderSansW01-Regular" panose="020B0604020202020204" pitchFamily="34" charset="0"/>
+              </a:rPr>
+              <a:t>Dashboard con possibilità di inserire una nuova casa</a:t>
+            </a:r>
           </a:p>
         </p:txBody>
       </p:sp>
